--- a/Matrix exponential.pptx
+++ b/Matrix exponential.pptx
@@ -298,7 +298,7 @@
           <a:p>
             <a:fld id="{48A87A34-81AB-432B-8DAE-1953F412C126}" type="datetimeFigureOut">
               <a:rPr lang="en-US" dirty="0"/>
-              <a:t>3/17/2024</a:t>
+              <a:t>2/7/2025</a:t>
             </a:fld>
             <a:endParaRPr lang="en-US" dirty="0"/>
           </a:p>
@@ -605,7 +605,7 @@
           <a:p>
             <a:fld id="{48A87A34-81AB-432B-8DAE-1953F412C126}" type="datetimeFigureOut">
               <a:rPr lang="en-US" dirty="0"/>
-              <a:t>3/17/2024</a:t>
+              <a:t>2/7/2025</a:t>
             </a:fld>
             <a:endParaRPr lang="en-US" dirty="0"/>
           </a:p>
@@ -822,7 +822,7 @@
           <a:p>
             <a:fld id="{48A87A34-81AB-432B-8DAE-1953F412C126}" type="datetimeFigureOut">
               <a:rPr lang="en-US" dirty="0"/>
-              <a:t>3/17/2024</a:t>
+              <a:t>2/7/2025</a:t>
             </a:fld>
             <a:endParaRPr lang="en-US" dirty="0"/>
           </a:p>
@@ -1108,7 +1108,7 @@
           <a:p>
             <a:fld id="{48A87A34-81AB-432B-8DAE-1953F412C126}" type="datetimeFigureOut">
               <a:rPr lang="en-US" dirty="0"/>
-              <a:t>3/17/2024</a:t>
+              <a:t>2/7/2025</a:t>
             </a:fld>
             <a:endParaRPr lang="en-US" dirty="0"/>
           </a:p>
@@ -1557,7 +1557,7 @@
           <a:p>
             <a:fld id="{48A87A34-81AB-432B-8DAE-1953F412C126}" type="datetimeFigureOut">
               <a:rPr lang="en-US" dirty="0"/>
-              <a:t>3/17/2024</a:t>
+              <a:t>2/7/2025</a:t>
             </a:fld>
             <a:endParaRPr lang="en-US" dirty="0"/>
           </a:p>
@@ -2128,7 +2128,7 @@
           <a:p>
             <a:fld id="{48A87A34-81AB-432B-8DAE-1953F412C126}" type="datetimeFigureOut">
               <a:rPr lang="en-US" dirty="0"/>
-              <a:t>3/17/2024</a:t>
+              <a:t>2/7/2025</a:t>
             </a:fld>
             <a:endParaRPr lang="en-US" dirty="0"/>
           </a:p>
@@ -2975,7 +2975,7 @@
           <a:p>
             <a:fld id="{48A87A34-81AB-432B-8DAE-1953F412C126}" type="datetimeFigureOut">
               <a:rPr lang="en-US" dirty="0"/>
-              <a:t>3/17/2024</a:t>
+              <a:t>2/7/2025</a:t>
             </a:fld>
             <a:endParaRPr lang="en-US" dirty="0"/>
           </a:p>
@@ -3175,7 +3175,7 @@
           <a:p>
             <a:fld id="{48A87A34-81AB-432B-8DAE-1953F412C126}" type="datetimeFigureOut">
               <a:rPr lang="en-US" dirty="0"/>
-              <a:t>3/17/2024</a:t>
+              <a:t>2/7/2025</a:t>
             </a:fld>
             <a:endParaRPr lang="en-US" dirty="0"/>
           </a:p>
@@ -3384,7 +3384,7 @@
           <a:p>
             <a:fld id="{48A87A34-81AB-432B-8DAE-1953F412C126}" type="datetimeFigureOut">
               <a:rPr lang="en-US" dirty="0"/>
-              <a:t>3/17/2024</a:t>
+              <a:t>2/7/2025</a:t>
             </a:fld>
             <a:endParaRPr lang="en-US" dirty="0"/>
           </a:p>
@@ -3584,7 +3584,7 @@
           <a:p>
             <a:fld id="{48A87A34-81AB-432B-8DAE-1953F412C126}" type="datetimeFigureOut">
               <a:rPr lang="en-US" dirty="0"/>
-              <a:t>3/17/2024</a:t>
+              <a:t>2/7/2025</a:t>
             </a:fld>
             <a:endParaRPr lang="en-US" dirty="0"/>
           </a:p>
@@ -3859,7 +3859,7 @@
           <a:p>
             <a:fld id="{48A87A34-81AB-432B-8DAE-1953F412C126}" type="datetimeFigureOut">
               <a:rPr lang="en-US" dirty="0"/>
-              <a:t>3/17/2024</a:t>
+              <a:t>2/7/2025</a:t>
             </a:fld>
             <a:endParaRPr lang="en-US" dirty="0"/>
           </a:p>
@@ -4121,7 +4121,7 @@
           <a:p>
             <a:fld id="{48A87A34-81AB-432B-8DAE-1953F412C126}" type="datetimeFigureOut">
               <a:rPr lang="en-US" dirty="0"/>
-              <a:t>3/17/2024</a:t>
+              <a:t>2/7/2025</a:t>
             </a:fld>
             <a:endParaRPr lang="en-US" dirty="0"/>
           </a:p>
@@ -4531,7 +4531,7 @@
           <a:p>
             <a:fld id="{48A87A34-81AB-432B-8DAE-1953F412C126}" type="datetimeFigureOut">
               <a:rPr lang="en-US" dirty="0"/>
-              <a:t>3/17/2024</a:t>
+              <a:t>2/7/2025</a:t>
             </a:fld>
             <a:endParaRPr lang="en-US" dirty="0"/>
           </a:p>
@@ -4674,7 +4674,7 @@
           <a:p>
             <a:fld id="{48A87A34-81AB-432B-8DAE-1953F412C126}" type="datetimeFigureOut">
               <a:rPr lang="en-US" dirty="0"/>
-              <a:t>3/17/2024</a:t>
+              <a:t>2/7/2025</a:t>
             </a:fld>
             <a:endParaRPr lang="en-US" dirty="0"/>
           </a:p>
@@ -4794,7 +4794,7 @@
           <a:p>
             <a:fld id="{48A87A34-81AB-432B-8DAE-1953F412C126}" type="datetimeFigureOut">
               <a:rPr lang="en-US" dirty="0"/>
-              <a:t>3/17/2024</a:t>
+              <a:t>2/7/2025</a:t>
             </a:fld>
             <a:endParaRPr lang="en-US" dirty="0"/>
           </a:p>
@@ -5068,7 +5068,7 @@
           <a:p>
             <a:fld id="{48A87A34-81AB-432B-8DAE-1953F412C126}" type="datetimeFigureOut">
               <a:rPr lang="en-US" dirty="0"/>
-              <a:t>3/17/2024</a:t>
+              <a:t>2/7/2025</a:t>
             </a:fld>
             <a:endParaRPr lang="en-US" dirty="0"/>
           </a:p>
@@ -5375,7 +5375,7 @@
           <a:p>
             <a:fld id="{48A87A34-81AB-432B-8DAE-1953F412C126}" type="datetimeFigureOut">
               <a:rPr lang="en-US" dirty="0"/>
-              <a:t>3/17/2024</a:t>
+              <a:t>2/7/2025</a:t>
             </a:fld>
             <a:endParaRPr lang="en-US" dirty="0"/>
           </a:p>
@@ -5624,7 +5624,7 @@
             <a:fld id="{48A87A34-81AB-432B-8DAE-1953F412C126}" type="datetimeFigureOut">
               <a:rPr lang="en-US" dirty="0"/>
               <a:pPr/>
-              <a:t>3/17/2024</a:t>
+              <a:t>2/7/2025</a:t>
             </a:fld>
             <a:endParaRPr lang="en-US" dirty="0"/>
           </a:p>
@@ -6146,20 +6146,20 @@
               <a:t>שם : רונן </a:t>
             </a:r>
             <a:r>
-              <a:rPr lang="he-IL" sz="2000" b="1" dirty="0" err="1">
+              <a:rPr lang="he-IL" sz="2000" b="1" smtClean="0">
                 <a:solidFill>
                   <a:schemeClr val="tx1"/>
                 </a:solidFill>
               </a:rPr>
-              <a:t>זיאן</a:t>
-            </a:r>
-            <a:r>
-              <a:rPr lang="he-IL" sz="2000" b="1" dirty="0">
+              <a:t>זיא</a:t>
+            </a:r>
+            <a:r>
+              <a:rPr lang="he-IL" sz="2000" b="1">
                 <a:solidFill>
                   <a:schemeClr val="tx1"/>
                 </a:solidFill>
               </a:rPr>
-              <a:t> 318239563</a:t>
+              <a:t>ן</a:t>
             </a:r>
             <a:endParaRPr lang="he-IL" sz="2000" dirty="0">
               <a:solidFill>
